--- a/media-source/Upgrade-BC14-custom-BC24-empty.pptx
+++ b/media-source/Upgrade-BC14-custom-BC24-empty.pptx
@@ -273,7 +273,7 @@
           <a:p>
             <a:fld id="{12AAF0B5-A621-4210-BB79-BF2DA4C2B137}" type="datetimeFigureOut">
               <a:rPr lang="da-DK" smtClean="0"/>
-              <a:t>07-03-2024</a:t>
+              <a:t>09-03-2024</a:t>
             </a:fld>
             <a:endParaRPr lang="da-DK"/>
           </a:p>
@@ -473,7 +473,7 @@
           <a:p>
             <a:fld id="{12AAF0B5-A621-4210-BB79-BF2DA4C2B137}" type="datetimeFigureOut">
               <a:rPr lang="da-DK" smtClean="0"/>
-              <a:t>07-03-2024</a:t>
+              <a:t>09-03-2024</a:t>
             </a:fld>
             <a:endParaRPr lang="da-DK"/>
           </a:p>
@@ -683,7 +683,7 @@
           <a:p>
             <a:fld id="{12AAF0B5-A621-4210-BB79-BF2DA4C2B137}" type="datetimeFigureOut">
               <a:rPr lang="da-DK" smtClean="0"/>
-              <a:t>07-03-2024</a:t>
+              <a:t>09-03-2024</a:t>
             </a:fld>
             <a:endParaRPr lang="da-DK"/>
           </a:p>
@@ -883,7 +883,7 @@
           <a:p>
             <a:fld id="{12AAF0B5-A621-4210-BB79-BF2DA4C2B137}" type="datetimeFigureOut">
               <a:rPr lang="da-DK" smtClean="0"/>
-              <a:t>07-03-2024</a:t>
+              <a:t>09-03-2024</a:t>
             </a:fld>
             <a:endParaRPr lang="da-DK"/>
           </a:p>
@@ -1159,7 +1159,7 @@
           <a:p>
             <a:fld id="{12AAF0B5-A621-4210-BB79-BF2DA4C2B137}" type="datetimeFigureOut">
               <a:rPr lang="da-DK" smtClean="0"/>
-              <a:t>07-03-2024</a:t>
+              <a:t>09-03-2024</a:t>
             </a:fld>
             <a:endParaRPr lang="da-DK"/>
           </a:p>
@@ -1427,7 +1427,7 @@
           <a:p>
             <a:fld id="{12AAF0B5-A621-4210-BB79-BF2DA4C2B137}" type="datetimeFigureOut">
               <a:rPr lang="da-DK" smtClean="0"/>
-              <a:t>07-03-2024</a:t>
+              <a:t>09-03-2024</a:t>
             </a:fld>
             <a:endParaRPr lang="da-DK"/>
           </a:p>
@@ -1842,7 +1842,7 @@
           <a:p>
             <a:fld id="{12AAF0B5-A621-4210-BB79-BF2DA4C2B137}" type="datetimeFigureOut">
               <a:rPr lang="da-DK" smtClean="0"/>
-              <a:t>07-03-2024</a:t>
+              <a:t>09-03-2024</a:t>
             </a:fld>
             <a:endParaRPr lang="da-DK"/>
           </a:p>
@@ -1984,7 +1984,7 @@
           <a:p>
             <a:fld id="{12AAF0B5-A621-4210-BB79-BF2DA4C2B137}" type="datetimeFigureOut">
               <a:rPr lang="da-DK" smtClean="0"/>
-              <a:t>07-03-2024</a:t>
+              <a:t>09-03-2024</a:t>
             </a:fld>
             <a:endParaRPr lang="da-DK"/>
           </a:p>
@@ -2097,7 +2097,7 @@
           <a:p>
             <a:fld id="{12AAF0B5-A621-4210-BB79-BF2DA4C2B137}" type="datetimeFigureOut">
               <a:rPr lang="da-DK" smtClean="0"/>
-              <a:t>07-03-2024</a:t>
+              <a:t>09-03-2024</a:t>
             </a:fld>
             <a:endParaRPr lang="da-DK"/>
           </a:p>
@@ -2410,7 +2410,7 @@
           <a:p>
             <a:fld id="{12AAF0B5-A621-4210-BB79-BF2DA4C2B137}" type="datetimeFigureOut">
               <a:rPr lang="da-DK" smtClean="0"/>
-              <a:t>07-03-2024</a:t>
+              <a:t>09-03-2024</a:t>
             </a:fld>
             <a:endParaRPr lang="da-DK"/>
           </a:p>
@@ -2699,7 +2699,7 @@
           <a:p>
             <a:fld id="{12AAF0B5-A621-4210-BB79-BF2DA4C2B137}" type="datetimeFigureOut">
               <a:rPr lang="da-DK" smtClean="0"/>
-              <a:t>07-03-2024</a:t>
+              <a:t>09-03-2024</a:t>
             </a:fld>
             <a:endParaRPr lang="da-DK"/>
           </a:p>
@@ -2942,7 +2942,7 @@
           <a:p>
             <a:fld id="{12AAF0B5-A621-4210-BB79-BF2DA4C2B137}" type="datetimeFigureOut">
               <a:rPr lang="da-DK" smtClean="0"/>
-              <a:t>07-03-2024</a:t>
+              <a:t>09-03-2024</a:t>
             </a:fld>
             <a:endParaRPr lang="da-DK"/>
           </a:p>
@@ -3374,7 +3374,7 @@
         <p:spPr>
           <a:xfrm>
             <a:off x="3209684" y="2400415"/>
-            <a:ext cx="2290744" cy="3257435"/>
+            <a:ext cx="2290744" cy="4400435"/>
           </a:xfrm>
           <a:prstGeom prst="rect">
             <a:avLst/>
@@ -3484,7 +3484,7 @@
         </p:nvSpPr>
         <p:spPr>
           <a:xfrm>
-            <a:off x="5711532" y="4541422"/>
+            <a:off x="5711532" y="5749989"/>
             <a:ext cx="1665256" cy="933056"/>
           </a:xfrm>
           <a:prstGeom prst="rect">
@@ -3537,7 +3537,7 @@
         </p:nvGrpSpPr>
         <p:grpSpPr>
           <a:xfrm>
-            <a:off x="5796116" y="4724610"/>
+            <a:off x="5796116" y="5933177"/>
             <a:ext cx="432672" cy="623994"/>
             <a:chOff x="1738078" y="1768933"/>
             <a:chExt cx="274872" cy="396417"/>
@@ -3855,7 +3855,7 @@
         </p:nvSpPr>
         <p:spPr>
           <a:xfrm>
-            <a:off x="5703304" y="4496118"/>
+            <a:off x="5703304" y="5704685"/>
             <a:ext cx="1267757" cy="195814"/>
           </a:xfrm>
           <a:prstGeom prst="rect">
@@ -3871,7 +3871,7 @@
           <a:p>
             <a:r>
               <a:rPr lang="da-DK" sz="800" dirty="0"/>
-              <a:t>BC system_application – v23</a:t>
+              <a:t>BC system_application – v24</a:t>
             </a:r>
           </a:p>
         </p:txBody>
@@ -4021,7 +4021,7 @@
         </p:nvSpPr>
         <p:spPr>
           <a:xfrm>
-            <a:off x="5831524" y="4693946"/>
+            <a:off x="5831524" y="5902513"/>
             <a:ext cx="408751" cy="195814"/>
           </a:xfrm>
           <a:prstGeom prst="rect">
@@ -4058,7 +4058,7 @@
         </p:nvCxnSpPr>
         <p:spPr>
           <a:xfrm>
-            <a:off x="5902523" y="5221201"/>
+            <a:off x="5902523" y="6429768"/>
             <a:ext cx="196511" cy="0"/>
           </a:xfrm>
           <a:prstGeom prst="line">
@@ -5170,13 +5170,14 @@
           <p:cNvCxnSpPr>
             <a:cxnSpLocks/>
             <a:stCxn id="182" idx="0"/>
+            <a:endCxn id="122" idx="1"/>
           </p:cNvCxnSpPr>
           <p:nvPr/>
         </p:nvCxnSpPr>
         <p:spPr>
           <a:xfrm flipV="1">
-            <a:off x="2100340" y="1316997"/>
-            <a:ext cx="1305552" cy="3166894"/>
+            <a:off x="2100340" y="1178597"/>
+            <a:ext cx="1378804" cy="4513861"/>
           </a:xfrm>
           <a:prstGeom prst="straightConnector1">
             <a:avLst/>
@@ -5338,7 +5339,7 @@
         </p:nvSpPr>
         <p:spPr>
           <a:xfrm>
-            <a:off x="3455870" y="4539351"/>
+            <a:off x="3455870" y="5747918"/>
             <a:ext cx="1779481" cy="933056"/>
           </a:xfrm>
           <a:prstGeom prst="rect">
@@ -5391,7 +5392,7 @@
         </p:nvSpPr>
         <p:spPr>
           <a:xfrm>
-            <a:off x="3473339" y="4519212"/>
+            <a:off x="3473339" y="5727779"/>
             <a:ext cx="1434148" cy="688256"/>
           </a:xfrm>
           <a:prstGeom prst="rect">
@@ -5524,7 +5525,7 @@
         </p:nvSpPr>
         <p:spPr>
           <a:xfrm>
-            <a:off x="1298511" y="4517735"/>
+            <a:off x="1298511" y="5726302"/>
             <a:ext cx="1684256" cy="953694"/>
           </a:xfrm>
           <a:prstGeom prst="rect">
@@ -5577,7 +5578,7 @@
         </p:nvGrpSpPr>
         <p:grpSpPr>
           <a:xfrm>
-            <a:off x="1374680" y="4715766"/>
+            <a:off x="1374680" y="5924333"/>
             <a:ext cx="432672" cy="623994"/>
             <a:chOff x="1738078" y="1768933"/>
             <a:chExt cx="274872" cy="396417"/>
@@ -5736,7 +5737,7 @@
         </p:nvGrpSpPr>
         <p:grpSpPr>
           <a:xfrm>
-            <a:off x="1911755" y="4715996"/>
+            <a:off x="1911755" y="5924563"/>
             <a:ext cx="438247" cy="632034"/>
             <a:chOff x="1738078" y="3153233"/>
             <a:chExt cx="274872" cy="396417"/>
@@ -5895,7 +5896,7 @@
         </p:nvSpPr>
         <p:spPr>
           <a:xfrm>
-            <a:off x="1299021" y="4483891"/>
+            <a:off x="1299021" y="5692458"/>
             <a:ext cx="1602638" cy="195814"/>
           </a:xfrm>
           <a:prstGeom prst="rect">
@@ -5930,7 +5931,7 @@
         </p:nvSpPr>
         <p:spPr>
           <a:xfrm>
-            <a:off x="1402001" y="4701604"/>
+            <a:off x="1402001" y="5910171"/>
             <a:ext cx="408751" cy="195814"/>
           </a:xfrm>
           <a:prstGeom prst="rect">
@@ -5965,7 +5966,7 @@
         </p:nvSpPr>
         <p:spPr>
           <a:xfrm>
-            <a:off x="1944055" y="4720198"/>
+            <a:off x="1944055" y="5928765"/>
             <a:ext cx="408751" cy="195814"/>
           </a:xfrm>
           <a:prstGeom prst="rect">
@@ -6000,7 +6001,7 @@
         </p:nvGrpSpPr>
         <p:grpSpPr>
           <a:xfrm>
-            <a:off x="2462902" y="4712983"/>
+            <a:off x="2462902" y="5921550"/>
             <a:ext cx="438247" cy="632034"/>
             <a:chOff x="1738078" y="3153233"/>
             <a:chExt cx="274872" cy="396417"/>
@@ -6161,7 +6162,7 @@
         </p:nvCxnSpPr>
         <p:spPr>
           <a:xfrm>
-            <a:off x="2582633" y="5206366"/>
+            <a:off x="2582633" y="6414933"/>
             <a:ext cx="196511" cy="0"/>
           </a:xfrm>
           <a:prstGeom prst="line">
@@ -6202,7 +6203,7 @@
         </p:nvSpPr>
         <p:spPr>
           <a:xfrm>
-            <a:off x="2493995" y="4712501"/>
+            <a:off x="2493995" y="5921068"/>
             <a:ext cx="408751" cy="195814"/>
           </a:xfrm>
           <a:prstGeom prst="rect">
@@ -6267,7 +6268,7 @@
             </a:r>
           </a:p>
           <a:p>
-            <a:endParaRPr lang="da-DK" sz="800"/>
+            <a:endParaRPr lang="da-DK" sz="800" dirty="0"/>
           </a:p>
           <a:p>
             <a:endParaRPr lang="da-DK" sz="800" dirty="0"/>
@@ -6391,7 +6392,7 @@
           <a:p>
             <a:r>
               <a:rPr lang="da-DK" sz="800" dirty="0"/>
-              <a:t>BC base_application – v23</a:t>
+              <a:t>BC base_application – v24</a:t>
             </a:r>
           </a:p>
         </p:txBody>
@@ -6577,7 +6578,7 @@
           <a:p>
             <a:r>
               <a:rPr lang="da-DK" sz="800" dirty="0"/>
-              <a:t>Customization extension – v23</a:t>
+              <a:t>Customization extension – v24</a:t>
             </a:r>
           </a:p>
         </p:txBody>
@@ -6598,7 +6599,7 @@
         </p:nvCxnSpPr>
         <p:spPr>
           <a:xfrm flipH="1">
-            <a:off x="7378102" y="4960023"/>
+            <a:off x="7378102" y="6168590"/>
             <a:ext cx="318821" cy="0"/>
           </a:xfrm>
           <a:prstGeom prst="straightConnector1">
@@ -6736,8 +6737,8 @@
         </p:nvCxnSpPr>
         <p:spPr>
           <a:xfrm flipV="1">
-            <a:off x="7696923" y="1581247"/>
-            <a:ext cx="1314" cy="3378776"/>
+            <a:off x="7698237" y="1581247"/>
+            <a:ext cx="0" cy="4593849"/>
           </a:xfrm>
           <a:prstGeom prst="straightConnector1">
             <a:avLst/>
@@ -6965,6 +6966,300 @@
           </a:fontRef>
         </p:style>
       </p:cxnSp>
+      <p:sp>
+        <p:nvSpPr>
+          <p:cNvPr id="3" name="Rectangle 2">
+            <a:extLst>
+              <a:ext uri="{FF2B5EF4-FFF2-40B4-BE49-F238E27FC236}">
+                <a16:creationId xmlns:a16="http://schemas.microsoft.com/office/drawing/2014/main" id="{CFEE425C-5E87-30B5-4B54-E63ED4ECA928}"/>
+              </a:ext>
+            </a:extLst>
+          </p:cNvPr>
+          <p:cNvSpPr/>
+          <p:nvPr/>
+        </p:nvSpPr>
+        <p:spPr>
+          <a:xfrm>
+            <a:off x="3466176" y="4574896"/>
+            <a:ext cx="1789023" cy="933056"/>
+          </a:xfrm>
+          <a:prstGeom prst="rect">
+            <a:avLst/>
+          </a:prstGeom>
+          <a:noFill/>
+          <a:ln>
+            <a:solidFill>
+              <a:schemeClr val="tx1"/>
+            </a:solidFill>
+            <a:prstDash val="sysDash"/>
+          </a:ln>
+        </p:spPr>
+        <p:style>
+          <a:lnRef idx="2">
+            <a:schemeClr val="accent1">
+              <a:shade val="50000"/>
+            </a:schemeClr>
+          </a:lnRef>
+          <a:fillRef idx="1">
+            <a:schemeClr val="accent1"/>
+          </a:fillRef>
+          <a:effectRef idx="0">
+            <a:schemeClr val="accent1"/>
+          </a:effectRef>
+          <a:fontRef idx="minor">
+            <a:schemeClr val="lt1"/>
+          </a:fontRef>
+        </p:style>
+        <p:txBody>
+          <a:bodyPr rtlCol="0" anchor="ctr"/>
+          <a:lstStyle/>
+          <a:p>
+            <a:pPr algn="ctr"/>
+            <a:endParaRPr lang="da-DK"/>
+          </a:p>
+        </p:txBody>
+      </p:sp>
+      <p:sp>
+        <p:nvSpPr>
+          <p:cNvPr id="6" name="Rectangle 5">
+            <a:extLst>
+              <a:ext uri="{FF2B5EF4-FFF2-40B4-BE49-F238E27FC236}">
+                <a16:creationId xmlns:a16="http://schemas.microsoft.com/office/drawing/2014/main" id="{B2525C31-49CF-603D-2544-1A588A06877B}"/>
+              </a:ext>
+            </a:extLst>
+          </p:cNvPr>
+          <p:cNvSpPr/>
+          <p:nvPr/>
+        </p:nvSpPr>
+        <p:spPr>
+          <a:xfrm>
+            <a:off x="5703304" y="4570506"/>
+            <a:ext cx="1684341" cy="933056"/>
+          </a:xfrm>
+          <a:prstGeom prst="rect">
+            <a:avLst/>
+          </a:prstGeom>
+          <a:noFill/>
+          <a:ln>
+            <a:solidFill>
+              <a:schemeClr val="tx1"/>
+            </a:solidFill>
+            <a:prstDash val="sysDash"/>
+          </a:ln>
+        </p:spPr>
+        <p:style>
+          <a:lnRef idx="2">
+            <a:schemeClr val="accent1">
+              <a:shade val="50000"/>
+            </a:schemeClr>
+          </a:lnRef>
+          <a:fillRef idx="1">
+            <a:schemeClr val="accent1"/>
+          </a:fillRef>
+          <a:effectRef idx="0">
+            <a:schemeClr val="accent1"/>
+          </a:effectRef>
+          <a:fontRef idx="minor">
+            <a:schemeClr val="lt1"/>
+          </a:fontRef>
+        </p:style>
+        <p:txBody>
+          <a:bodyPr rtlCol="0" anchor="ctr"/>
+          <a:lstStyle/>
+          <a:p>
+            <a:pPr algn="ctr"/>
+            <a:endParaRPr lang="da-DK"/>
+          </a:p>
+        </p:txBody>
+      </p:sp>
+      <p:cxnSp>
+        <p:nvCxnSpPr>
+          <p:cNvPr id="10" name="Straight Arrow Connector 99">
+            <a:extLst>
+              <a:ext uri="{FF2B5EF4-FFF2-40B4-BE49-F238E27FC236}">
+                <a16:creationId xmlns:a16="http://schemas.microsoft.com/office/drawing/2014/main" id="{BCB5C71D-261C-279F-33A1-58772D7466BC}"/>
+              </a:ext>
+            </a:extLst>
+          </p:cNvPr>
+          <p:cNvCxnSpPr>
+            <a:cxnSpLocks/>
+          </p:cNvCxnSpPr>
+          <p:nvPr/>
+        </p:nvCxnSpPr>
+        <p:spPr>
+          <a:xfrm flipH="1">
+            <a:off x="7382216" y="5037034"/>
+            <a:ext cx="307964" cy="0"/>
+          </a:xfrm>
+          <a:prstGeom prst="straightConnector1">
+            <a:avLst/>
+          </a:prstGeom>
+          <a:ln>
+            <a:solidFill>
+              <a:schemeClr val="bg1">
+                <a:lumMod val="65000"/>
+              </a:schemeClr>
+            </a:solidFill>
+            <a:tailEnd type="triangle"/>
+          </a:ln>
+        </p:spPr>
+        <p:style>
+          <a:lnRef idx="1">
+            <a:schemeClr val="accent1"/>
+          </a:lnRef>
+          <a:fillRef idx="0">
+            <a:schemeClr val="accent1"/>
+          </a:fillRef>
+          <a:effectRef idx="0">
+            <a:schemeClr val="accent1"/>
+          </a:effectRef>
+          <a:fontRef idx="minor">
+            <a:schemeClr val="tx1"/>
+          </a:fontRef>
+        </p:style>
+      </p:cxnSp>
+      <p:sp>
+        <p:nvSpPr>
+          <p:cNvPr id="15" name="TextBox 14">
+            <a:extLst>
+              <a:ext uri="{FF2B5EF4-FFF2-40B4-BE49-F238E27FC236}">
+                <a16:creationId xmlns:a16="http://schemas.microsoft.com/office/drawing/2014/main" id="{B6FCDC04-7467-86DE-F0C1-2CDDE976C1E6}"/>
+              </a:ext>
+            </a:extLst>
+          </p:cNvPr>
+          <p:cNvSpPr txBox="1"/>
+          <p:nvPr/>
+        </p:nvSpPr>
+        <p:spPr>
+          <a:xfrm>
+            <a:off x="3507095" y="4584251"/>
+            <a:ext cx="1434148" cy="688256"/>
+          </a:xfrm>
+          <a:prstGeom prst="rect">
+            <a:avLst/>
+          </a:prstGeom>
+          <a:noFill/>
+        </p:spPr>
+        <p:txBody>
+          <a:bodyPr wrap="square" lIns="36000" tIns="36000" rIns="36000" bIns="36000" rtlCol="0">
+            <a:spAutoFit/>
+          </a:bodyPr>
+          <a:lstStyle/>
+          <a:p>
+            <a:r>
+              <a:rPr lang="da-DK" sz="800" dirty="0"/>
+              <a:t>business foundation ext – v1 </a:t>
+            </a:r>
+          </a:p>
+          <a:p>
+            <a:r>
+              <a:rPr lang="da-DK" sz="800" dirty="0"/>
+              <a:t>Microsoft ID</a:t>
+            </a:r>
+          </a:p>
+          <a:p>
+            <a:endParaRPr lang="da-DK" sz="800" dirty="0"/>
+          </a:p>
+          <a:p>
+            <a:endParaRPr lang="da-DK" sz="800" dirty="0"/>
+          </a:p>
+          <a:p>
+            <a:r>
+              <a:rPr lang="da-DK" sz="800" dirty="0"/>
+              <a:t>(</a:t>
+            </a:r>
+            <a:r>
+              <a:rPr lang="da-DK" sz="800" dirty="0" err="1"/>
+              <a:t>empty</a:t>
+            </a:r>
+            <a:r>
+              <a:rPr lang="da-DK" sz="800" dirty="0"/>
+              <a:t>)</a:t>
+            </a:r>
+          </a:p>
+        </p:txBody>
+      </p:sp>
+      <p:sp>
+        <p:nvSpPr>
+          <p:cNvPr id="16" name="TextBox 79">
+            <a:extLst>
+              <a:ext uri="{FF2B5EF4-FFF2-40B4-BE49-F238E27FC236}">
+                <a16:creationId xmlns:a16="http://schemas.microsoft.com/office/drawing/2014/main" id="{4D2CE1AE-8E10-A10D-4C42-4B8FC76EB3D9}"/>
+              </a:ext>
+            </a:extLst>
+          </p:cNvPr>
+          <p:cNvSpPr txBox="1"/>
+          <p:nvPr/>
+        </p:nvSpPr>
+        <p:spPr>
+          <a:xfrm>
+            <a:off x="5710536" y="4582698"/>
+            <a:ext cx="1573230" cy="195814"/>
+          </a:xfrm>
+          <a:prstGeom prst="rect">
+            <a:avLst/>
+          </a:prstGeom>
+          <a:noFill/>
+        </p:spPr>
+        <p:txBody>
+          <a:bodyPr wrap="square" lIns="36000" tIns="36000" rIns="36000" bIns="36000" rtlCol="0">
+            <a:spAutoFit/>
+          </a:bodyPr>
+          <a:lstStyle/>
+          <a:p>
+            <a:r>
+              <a:rPr lang="da-DK" sz="800" dirty="0"/>
+              <a:t>BC business foundation ext – v24</a:t>
+            </a:r>
+          </a:p>
+        </p:txBody>
+      </p:sp>
+      <p:cxnSp>
+        <p:nvCxnSpPr>
+          <p:cNvPr id="17" name="Straight Arrow Connector 16">
+            <a:extLst>
+              <a:ext uri="{FF2B5EF4-FFF2-40B4-BE49-F238E27FC236}">
+                <a16:creationId xmlns:a16="http://schemas.microsoft.com/office/drawing/2014/main" id="{08FCC34B-A51A-8EDF-5DDE-9BE34762B54A}"/>
+              </a:ext>
+            </a:extLst>
+          </p:cNvPr>
+          <p:cNvCxnSpPr>
+            <a:cxnSpLocks/>
+          </p:cNvCxnSpPr>
+          <p:nvPr/>
+        </p:nvCxnSpPr>
+        <p:spPr>
+          <a:xfrm>
+            <a:off x="6532932" y="5503562"/>
+            <a:ext cx="0" cy="202605"/>
+          </a:xfrm>
+          <a:prstGeom prst="straightConnector1">
+            <a:avLst/>
+          </a:prstGeom>
+          <a:ln>
+            <a:solidFill>
+              <a:schemeClr val="bg1">
+                <a:lumMod val="65000"/>
+              </a:schemeClr>
+            </a:solidFill>
+            <a:tailEnd type="triangle"/>
+          </a:ln>
+        </p:spPr>
+        <p:style>
+          <a:lnRef idx="1">
+            <a:schemeClr val="accent1"/>
+          </a:lnRef>
+          <a:fillRef idx="0">
+            <a:schemeClr val="accent1"/>
+          </a:fillRef>
+          <a:effectRef idx="0">
+            <a:schemeClr val="accent1"/>
+          </a:effectRef>
+          <a:fontRef idx="minor">
+            <a:schemeClr val="tx1"/>
+          </a:fontRef>
+        </p:style>
+      </p:cxnSp>
     </p:spTree>
     <p:extLst>
       <p:ext uri="{BB962C8B-B14F-4D97-AF65-F5344CB8AC3E}">
@@ -11208,6 +11503,638 @@
                                         <p:cTn id="363" dur="500"/>
                                         <p:tgtEl>
                                           <p:spTgt spid="137"/>
+                                        </p:tgtEl>
+                                      </p:cBhvr>
+                                    </p:animEffect>
+                                  </p:childTnLst>
+                                </p:cTn>
+                              </p:par>
+                            </p:childTnLst>
+                          </p:cTn>
+                        </p:par>
+                      </p:childTnLst>
+                    </p:cTn>
+                  </p:par>
+                  <p:par>
+                    <p:cTn id="364" fill="hold">
+                      <p:stCondLst>
+                        <p:cond delay="indefinite"/>
+                      </p:stCondLst>
+                      <p:childTnLst>
+                        <p:par>
+                          <p:cTn id="365" fill="hold">
+                            <p:stCondLst>
+                              <p:cond delay="0"/>
+                            </p:stCondLst>
+                            <p:childTnLst>
+                              <p:par>
+                                <p:cTn id="366" presetID="10" presetClass="entr" presetSubtype="0" fill="hold" grpId="0" nodeType="clickEffect">
+                                  <p:stCondLst>
+                                    <p:cond delay="0"/>
+                                  </p:stCondLst>
+                                  <p:childTnLst>
+                                    <p:set>
+                                      <p:cBhvr>
+                                        <p:cTn id="367" dur="1" fill="hold">
+                                          <p:stCondLst>
+                                            <p:cond delay="0"/>
+                                          </p:stCondLst>
+                                        </p:cTn>
+                                        <p:tgtEl>
+                                          <p:spTgt spid="3"/>
+                                        </p:tgtEl>
+                                        <p:attrNameLst>
+                                          <p:attrName>style.visibility</p:attrName>
+                                        </p:attrNameLst>
+                                      </p:cBhvr>
+                                      <p:to>
+                                        <p:strVal val="visible"/>
+                                      </p:to>
+                                    </p:set>
+                                    <p:animEffect transition="in" filter="fade">
+                                      <p:cBhvr>
+                                        <p:cTn id="368" dur="500"/>
+                                        <p:tgtEl>
+                                          <p:spTgt spid="3"/>
+                                        </p:tgtEl>
+                                      </p:cBhvr>
+                                    </p:animEffect>
+                                  </p:childTnLst>
+                                </p:cTn>
+                              </p:par>
+                              <p:par>
+                                <p:cTn id="369" presetID="10" presetClass="exit" presetSubtype="0" fill="hold" grpId="1" nodeType="withEffect">
+                                  <p:stCondLst>
+                                    <p:cond delay="0"/>
+                                  </p:stCondLst>
+                                  <p:childTnLst>
+                                    <p:animEffect transition="out" filter="fade">
+                                      <p:cBhvr>
+                                        <p:cTn id="370" dur="500"/>
+                                        <p:tgtEl>
+                                          <p:spTgt spid="3"/>
+                                        </p:tgtEl>
+                                      </p:cBhvr>
+                                    </p:animEffect>
+                                    <p:set>
+                                      <p:cBhvr>
+                                        <p:cTn id="371" dur="1" fill="hold">
+                                          <p:stCondLst>
+                                            <p:cond delay="499"/>
+                                          </p:stCondLst>
+                                        </p:cTn>
+                                        <p:tgtEl>
+                                          <p:spTgt spid="3"/>
+                                        </p:tgtEl>
+                                        <p:attrNameLst>
+                                          <p:attrName>style.visibility</p:attrName>
+                                        </p:attrNameLst>
+                                      </p:cBhvr>
+                                      <p:to>
+                                        <p:strVal val="hidden"/>
+                                      </p:to>
+                                    </p:set>
+                                  </p:childTnLst>
+                                </p:cTn>
+                              </p:par>
+                            </p:childTnLst>
+                          </p:cTn>
+                        </p:par>
+                      </p:childTnLst>
+                    </p:cTn>
+                  </p:par>
+                  <p:par>
+                    <p:cTn id="372" fill="hold">
+                      <p:stCondLst>
+                        <p:cond delay="indefinite"/>
+                      </p:stCondLst>
+                      <p:childTnLst>
+                        <p:par>
+                          <p:cTn id="373" fill="hold">
+                            <p:stCondLst>
+                              <p:cond delay="0"/>
+                            </p:stCondLst>
+                            <p:childTnLst>
+                              <p:par>
+                                <p:cTn id="374" presetID="10" presetClass="entr" presetSubtype="0" fill="hold" grpId="2" nodeType="clickEffect">
+                                  <p:stCondLst>
+                                    <p:cond delay="0"/>
+                                  </p:stCondLst>
+                                  <p:childTnLst>
+                                    <p:set>
+                                      <p:cBhvr>
+                                        <p:cTn id="375" dur="1" fill="hold">
+                                          <p:stCondLst>
+                                            <p:cond delay="0"/>
+                                          </p:stCondLst>
+                                        </p:cTn>
+                                        <p:tgtEl>
+                                          <p:spTgt spid="3"/>
+                                        </p:tgtEl>
+                                        <p:attrNameLst>
+                                          <p:attrName>style.visibility</p:attrName>
+                                        </p:attrNameLst>
+                                      </p:cBhvr>
+                                      <p:to>
+                                        <p:strVal val="visible"/>
+                                      </p:to>
+                                    </p:set>
+                                    <p:animEffect transition="in" filter="fade">
+                                      <p:cBhvr>
+                                        <p:cTn id="376" dur="500"/>
+                                        <p:tgtEl>
+                                          <p:spTgt spid="3"/>
+                                        </p:tgtEl>
+                                      </p:cBhvr>
+                                    </p:animEffect>
+                                  </p:childTnLst>
+                                </p:cTn>
+                              </p:par>
+                            </p:childTnLst>
+                          </p:cTn>
+                        </p:par>
+                      </p:childTnLst>
+                    </p:cTn>
+                  </p:par>
+                  <p:par>
+                    <p:cTn id="377" fill="hold">
+                      <p:stCondLst>
+                        <p:cond delay="indefinite"/>
+                      </p:stCondLst>
+                      <p:childTnLst>
+                        <p:par>
+                          <p:cTn id="378" fill="hold">
+                            <p:stCondLst>
+                              <p:cond delay="0"/>
+                            </p:stCondLst>
+                            <p:childTnLst>
+                              <p:par>
+                                <p:cTn id="379" presetID="10" presetClass="entr" presetSubtype="0" fill="hold" grpId="0" nodeType="clickEffect">
+                                  <p:stCondLst>
+                                    <p:cond delay="0"/>
+                                  </p:stCondLst>
+                                  <p:childTnLst>
+                                    <p:set>
+                                      <p:cBhvr>
+                                        <p:cTn id="380" dur="1" fill="hold">
+                                          <p:stCondLst>
+                                            <p:cond delay="0"/>
+                                          </p:stCondLst>
+                                        </p:cTn>
+                                        <p:tgtEl>
+                                          <p:spTgt spid="6"/>
+                                        </p:tgtEl>
+                                        <p:attrNameLst>
+                                          <p:attrName>style.visibility</p:attrName>
+                                        </p:attrNameLst>
+                                      </p:cBhvr>
+                                      <p:to>
+                                        <p:strVal val="visible"/>
+                                      </p:to>
+                                    </p:set>
+                                    <p:animEffect transition="in" filter="fade">
+                                      <p:cBhvr>
+                                        <p:cTn id="381" dur="500"/>
+                                        <p:tgtEl>
+                                          <p:spTgt spid="6"/>
+                                        </p:tgtEl>
+                                      </p:cBhvr>
+                                    </p:animEffect>
+                                  </p:childTnLst>
+                                </p:cTn>
+                              </p:par>
+                              <p:par>
+                                <p:cTn id="382" presetID="10" presetClass="exit" presetSubtype="0" fill="hold" grpId="1" nodeType="withEffect">
+                                  <p:stCondLst>
+                                    <p:cond delay="0"/>
+                                  </p:stCondLst>
+                                  <p:childTnLst>
+                                    <p:animEffect transition="out" filter="fade">
+                                      <p:cBhvr>
+                                        <p:cTn id="383" dur="500"/>
+                                        <p:tgtEl>
+                                          <p:spTgt spid="6"/>
+                                        </p:tgtEl>
+                                      </p:cBhvr>
+                                    </p:animEffect>
+                                    <p:set>
+                                      <p:cBhvr>
+                                        <p:cTn id="384" dur="1" fill="hold">
+                                          <p:stCondLst>
+                                            <p:cond delay="499"/>
+                                          </p:stCondLst>
+                                        </p:cTn>
+                                        <p:tgtEl>
+                                          <p:spTgt spid="6"/>
+                                        </p:tgtEl>
+                                        <p:attrNameLst>
+                                          <p:attrName>style.visibility</p:attrName>
+                                        </p:attrNameLst>
+                                      </p:cBhvr>
+                                      <p:to>
+                                        <p:strVal val="hidden"/>
+                                      </p:to>
+                                    </p:set>
+                                  </p:childTnLst>
+                                </p:cTn>
+                              </p:par>
+                            </p:childTnLst>
+                          </p:cTn>
+                        </p:par>
+                      </p:childTnLst>
+                    </p:cTn>
+                  </p:par>
+                  <p:par>
+                    <p:cTn id="385" fill="hold">
+                      <p:stCondLst>
+                        <p:cond delay="indefinite"/>
+                      </p:stCondLst>
+                      <p:childTnLst>
+                        <p:par>
+                          <p:cTn id="386" fill="hold">
+                            <p:stCondLst>
+                              <p:cond delay="0"/>
+                            </p:stCondLst>
+                            <p:childTnLst>
+                              <p:par>
+                                <p:cTn id="387" presetID="10" presetClass="entr" presetSubtype="0" fill="hold" grpId="2" nodeType="clickEffect">
+                                  <p:stCondLst>
+                                    <p:cond delay="0"/>
+                                  </p:stCondLst>
+                                  <p:childTnLst>
+                                    <p:set>
+                                      <p:cBhvr>
+                                        <p:cTn id="388" dur="1" fill="hold">
+                                          <p:stCondLst>
+                                            <p:cond delay="0"/>
+                                          </p:stCondLst>
+                                        </p:cTn>
+                                        <p:tgtEl>
+                                          <p:spTgt spid="6"/>
+                                        </p:tgtEl>
+                                        <p:attrNameLst>
+                                          <p:attrName>style.visibility</p:attrName>
+                                        </p:attrNameLst>
+                                      </p:cBhvr>
+                                      <p:to>
+                                        <p:strVal val="visible"/>
+                                      </p:to>
+                                    </p:set>
+                                    <p:animEffect transition="in" filter="fade">
+                                      <p:cBhvr>
+                                        <p:cTn id="389" dur="500"/>
+                                        <p:tgtEl>
+                                          <p:spTgt spid="6"/>
+                                        </p:tgtEl>
+                                      </p:cBhvr>
+                                    </p:animEffect>
+                                  </p:childTnLst>
+                                </p:cTn>
+                              </p:par>
+                              <p:par>
+                                <p:cTn id="390" presetID="10" presetClass="entr" presetSubtype="0" fill="hold" nodeType="withEffect">
+                                  <p:stCondLst>
+                                    <p:cond delay="0"/>
+                                  </p:stCondLst>
+                                  <p:childTnLst>
+                                    <p:set>
+                                      <p:cBhvr>
+                                        <p:cTn id="391" dur="1" fill="hold">
+                                          <p:stCondLst>
+                                            <p:cond delay="0"/>
+                                          </p:stCondLst>
+                                        </p:cTn>
+                                        <p:tgtEl>
+                                          <p:spTgt spid="10"/>
+                                        </p:tgtEl>
+                                        <p:attrNameLst>
+                                          <p:attrName>style.visibility</p:attrName>
+                                        </p:attrNameLst>
+                                      </p:cBhvr>
+                                      <p:to>
+                                        <p:strVal val="visible"/>
+                                      </p:to>
+                                    </p:set>
+                                    <p:animEffect transition="in" filter="fade">
+                                      <p:cBhvr>
+                                        <p:cTn id="392" dur="500"/>
+                                        <p:tgtEl>
+                                          <p:spTgt spid="10"/>
+                                        </p:tgtEl>
+                                      </p:cBhvr>
+                                    </p:animEffect>
+                                  </p:childTnLst>
+                                </p:cTn>
+                              </p:par>
+                              <p:par>
+                                <p:cTn id="393" presetID="10" presetClass="exit" presetSubtype="0" fill="hold" nodeType="withEffect">
+                                  <p:stCondLst>
+                                    <p:cond delay="0"/>
+                                  </p:stCondLst>
+                                  <p:childTnLst>
+                                    <p:animEffect transition="out" filter="fade">
+                                      <p:cBhvr>
+                                        <p:cTn id="394" dur="500"/>
+                                        <p:tgtEl>
+                                          <p:spTgt spid="10"/>
+                                        </p:tgtEl>
+                                      </p:cBhvr>
+                                    </p:animEffect>
+                                    <p:set>
+                                      <p:cBhvr>
+                                        <p:cTn id="395" dur="1" fill="hold">
+                                          <p:stCondLst>
+                                            <p:cond delay="499"/>
+                                          </p:stCondLst>
+                                        </p:cTn>
+                                        <p:tgtEl>
+                                          <p:spTgt spid="10"/>
+                                        </p:tgtEl>
+                                        <p:attrNameLst>
+                                          <p:attrName>style.visibility</p:attrName>
+                                        </p:attrNameLst>
+                                      </p:cBhvr>
+                                      <p:to>
+                                        <p:strVal val="hidden"/>
+                                      </p:to>
+                                    </p:set>
+                                  </p:childTnLst>
+                                </p:cTn>
+                              </p:par>
+                              <p:par>
+                                <p:cTn id="396" presetID="10" presetClass="entr" presetSubtype="0" fill="hold" nodeType="withEffect">
+                                  <p:stCondLst>
+                                    <p:cond delay="0"/>
+                                  </p:stCondLst>
+                                  <p:childTnLst>
+                                    <p:set>
+                                      <p:cBhvr>
+                                        <p:cTn id="397" dur="1" fill="hold">
+                                          <p:stCondLst>
+                                            <p:cond delay="0"/>
+                                          </p:stCondLst>
+                                        </p:cTn>
+                                        <p:tgtEl>
+                                          <p:spTgt spid="10"/>
+                                        </p:tgtEl>
+                                        <p:attrNameLst>
+                                          <p:attrName>style.visibility</p:attrName>
+                                        </p:attrNameLst>
+                                      </p:cBhvr>
+                                      <p:to>
+                                        <p:strVal val="visible"/>
+                                      </p:to>
+                                    </p:set>
+                                    <p:animEffect transition="in" filter="fade">
+                                      <p:cBhvr>
+                                        <p:cTn id="398" dur="500"/>
+                                        <p:tgtEl>
+                                          <p:spTgt spid="10"/>
+                                        </p:tgtEl>
+                                      </p:cBhvr>
+                                    </p:animEffect>
+                                  </p:childTnLst>
+                                </p:cTn>
+                              </p:par>
+                              <p:par>
+                                <p:cTn id="399" presetID="10" presetClass="entr" presetSubtype="0" fill="hold" grpId="0" nodeType="withEffect">
+                                  <p:stCondLst>
+                                    <p:cond delay="0"/>
+                                  </p:stCondLst>
+                                  <p:childTnLst>
+                                    <p:set>
+                                      <p:cBhvr>
+                                        <p:cTn id="400" dur="1" fill="hold">
+                                          <p:stCondLst>
+                                            <p:cond delay="0"/>
+                                          </p:stCondLst>
+                                        </p:cTn>
+                                        <p:tgtEl>
+                                          <p:spTgt spid="15"/>
+                                        </p:tgtEl>
+                                        <p:attrNameLst>
+                                          <p:attrName>style.visibility</p:attrName>
+                                        </p:attrNameLst>
+                                      </p:cBhvr>
+                                      <p:to>
+                                        <p:strVal val="visible"/>
+                                      </p:to>
+                                    </p:set>
+                                    <p:animEffect transition="in" filter="fade">
+                                      <p:cBhvr>
+                                        <p:cTn id="401" dur="500"/>
+                                        <p:tgtEl>
+                                          <p:spTgt spid="15"/>
+                                        </p:tgtEl>
+                                      </p:cBhvr>
+                                    </p:animEffect>
+                                  </p:childTnLst>
+                                </p:cTn>
+                              </p:par>
+                              <p:par>
+                                <p:cTn id="402" presetID="10" presetClass="entr" presetSubtype="0" fill="hold" grpId="0" nodeType="withEffect">
+                                  <p:stCondLst>
+                                    <p:cond delay="0"/>
+                                  </p:stCondLst>
+                                  <p:childTnLst>
+                                    <p:set>
+                                      <p:cBhvr>
+                                        <p:cTn id="403" dur="1" fill="hold">
+                                          <p:stCondLst>
+                                            <p:cond delay="0"/>
+                                          </p:stCondLst>
+                                        </p:cTn>
+                                        <p:tgtEl>
+                                          <p:spTgt spid="16"/>
+                                        </p:tgtEl>
+                                        <p:attrNameLst>
+                                          <p:attrName>style.visibility</p:attrName>
+                                        </p:attrNameLst>
+                                      </p:cBhvr>
+                                      <p:to>
+                                        <p:strVal val="visible"/>
+                                      </p:to>
+                                    </p:set>
+                                    <p:animEffect transition="in" filter="fade">
+                                      <p:cBhvr>
+                                        <p:cTn id="404" dur="500"/>
+                                        <p:tgtEl>
+                                          <p:spTgt spid="16"/>
+                                        </p:tgtEl>
+                                      </p:cBhvr>
+                                    </p:animEffect>
+                                  </p:childTnLst>
+                                </p:cTn>
+                              </p:par>
+                              <p:par>
+                                <p:cTn id="405" presetID="10" presetClass="exit" presetSubtype="0" fill="hold" grpId="1" nodeType="withEffect">
+                                  <p:stCondLst>
+                                    <p:cond delay="0"/>
+                                  </p:stCondLst>
+                                  <p:childTnLst>
+                                    <p:animEffect transition="out" filter="fade">
+                                      <p:cBhvr>
+                                        <p:cTn id="406" dur="500"/>
+                                        <p:tgtEl>
+                                          <p:spTgt spid="16"/>
+                                        </p:tgtEl>
+                                      </p:cBhvr>
+                                    </p:animEffect>
+                                    <p:set>
+                                      <p:cBhvr>
+                                        <p:cTn id="407" dur="1" fill="hold">
+                                          <p:stCondLst>
+                                            <p:cond delay="499"/>
+                                          </p:stCondLst>
+                                        </p:cTn>
+                                        <p:tgtEl>
+                                          <p:spTgt spid="16"/>
+                                        </p:tgtEl>
+                                        <p:attrNameLst>
+                                          <p:attrName>style.visibility</p:attrName>
+                                        </p:attrNameLst>
+                                      </p:cBhvr>
+                                      <p:to>
+                                        <p:strVal val="hidden"/>
+                                      </p:to>
+                                    </p:set>
+                                  </p:childTnLst>
+                                </p:cTn>
+                              </p:par>
+                              <p:par>
+                                <p:cTn id="408" presetID="10" presetClass="entr" presetSubtype="0" fill="hold" grpId="2" nodeType="withEffect">
+                                  <p:stCondLst>
+                                    <p:cond delay="0"/>
+                                  </p:stCondLst>
+                                  <p:childTnLst>
+                                    <p:set>
+                                      <p:cBhvr>
+                                        <p:cTn id="409" dur="1" fill="hold">
+                                          <p:stCondLst>
+                                            <p:cond delay="0"/>
+                                          </p:stCondLst>
+                                        </p:cTn>
+                                        <p:tgtEl>
+                                          <p:spTgt spid="16"/>
+                                        </p:tgtEl>
+                                        <p:attrNameLst>
+                                          <p:attrName>style.visibility</p:attrName>
+                                        </p:attrNameLst>
+                                      </p:cBhvr>
+                                      <p:to>
+                                        <p:strVal val="visible"/>
+                                      </p:to>
+                                    </p:set>
+                                    <p:animEffect transition="in" filter="fade">
+                                      <p:cBhvr>
+                                        <p:cTn id="410" dur="500"/>
+                                        <p:tgtEl>
+                                          <p:spTgt spid="16"/>
+                                        </p:tgtEl>
+                                      </p:cBhvr>
+                                    </p:animEffect>
+                                  </p:childTnLst>
+                                </p:cTn>
+                              </p:par>
+                              <p:par>
+                                <p:cTn id="411" presetID="10" presetClass="entr" presetSubtype="0" fill="hold" nodeType="withEffect">
+                                  <p:stCondLst>
+                                    <p:cond delay="0"/>
+                                  </p:stCondLst>
+                                  <p:childTnLst>
+                                    <p:set>
+                                      <p:cBhvr>
+                                        <p:cTn id="412" dur="1" fill="hold">
+                                          <p:stCondLst>
+                                            <p:cond delay="0"/>
+                                          </p:stCondLst>
+                                        </p:cTn>
+                                        <p:tgtEl>
+                                          <p:spTgt spid="17"/>
+                                        </p:tgtEl>
+                                        <p:attrNameLst>
+                                          <p:attrName>style.visibility</p:attrName>
+                                        </p:attrNameLst>
+                                      </p:cBhvr>
+                                      <p:to>
+                                        <p:strVal val="visible"/>
+                                      </p:to>
+                                    </p:set>
+                                    <p:animEffect transition="in" filter="fade">
+                                      <p:cBhvr>
+                                        <p:cTn id="413" dur="500"/>
+                                        <p:tgtEl>
+                                          <p:spTgt spid="17"/>
+                                        </p:tgtEl>
+                                      </p:cBhvr>
+                                    </p:animEffect>
+                                  </p:childTnLst>
+                                </p:cTn>
+                              </p:par>
+                              <p:par>
+                                <p:cTn id="414" presetID="10" presetClass="exit" presetSubtype="0" fill="hold" nodeType="withEffect">
+                                  <p:stCondLst>
+                                    <p:cond delay="0"/>
+                                  </p:stCondLst>
+                                  <p:childTnLst>
+                                    <p:animEffect transition="out" filter="fade">
+                                      <p:cBhvr>
+                                        <p:cTn id="415" dur="500"/>
+                                        <p:tgtEl>
+                                          <p:spTgt spid="17"/>
+                                        </p:tgtEl>
+                                      </p:cBhvr>
+                                    </p:animEffect>
+                                    <p:set>
+                                      <p:cBhvr>
+                                        <p:cTn id="416" dur="1" fill="hold">
+                                          <p:stCondLst>
+                                            <p:cond delay="499"/>
+                                          </p:stCondLst>
+                                        </p:cTn>
+                                        <p:tgtEl>
+                                          <p:spTgt spid="17"/>
+                                        </p:tgtEl>
+                                        <p:attrNameLst>
+                                          <p:attrName>style.visibility</p:attrName>
+                                        </p:attrNameLst>
+                                      </p:cBhvr>
+                                      <p:to>
+                                        <p:strVal val="hidden"/>
+                                      </p:to>
+                                    </p:set>
+                                  </p:childTnLst>
+                                </p:cTn>
+                              </p:par>
+                              <p:par>
+                                <p:cTn id="417" presetID="10" presetClass="entr" presetSubtype="0" fill="hold" nodeType="withEffect">
+                                  <p:stCondLst>
+                                    <p:cond delay="0"/>
+                                  </p:stCondLst>
+                                  <p:childTnLst>
+                                    <p:set>
+                                      <p:cBhvr>
+                                        <p:cTn id="418" dur="1" fill="hold">
+                                          <p:stCondLst>
+                                            <p:cond delay="0"/>
+                                          </p:stCondLst>
+                                        </p:cTn>
+                                        <p:tgtEl>
+                                          <p:spTgt spid="17"/>
+                                        </p:tgtEl>
+                                        <p:attrNameLst>
+                                          <p:attrName>style.visibility</p:attrName>
+                                        </p:attrNameLst>
+                                      </p:cBhvr>
+                                      <p:to>
+                                        <p:strVal val="visible"/>
+                                      </p:to>
+                                    </p:set>
+                                    <p:animEffect transition="in" filter="fade">
+                                      <p:cBhvr>
+                                        <p:cTn id="419" dur="500"/>
+                                        <p:tgtEl>
+                                          <p:spTgt spid="17"/>
                                         </p:tgtEl>
                                       </p:cBhvr>
                                     </p:animEffect>
@@ -11304,6 +12231,16 @@
       <p:bldP spid="136" grpId="0"/>
       <p:bldP spid="136" grpId="1"/>
       <p:bldP spid="136" grpId="2"/>
+      <p:bldP spid="3" grpId="0" animBg="1"/>
+      <p:bldP spid="3" grpId="1" animBg="1"/>
+      <p:bldP spid="3" grpId="2" animBg="1"/>
+      <p:bldP spid="6" grpId="0" animBg="1"/>
+      <p:bldP spid="6" grpId="1" animBg="1"/>
+      <p:bldP spid="6" grpId="2" animBg="1"/>
+      <p:bldP spid="15" grpId="0"/>
+      <p:bldP spid="16" grpId="0"/>
+      <p:bldP spid="16" grpId="1"/>
+      <p:bldP spid="16" grpId="2"/>
     </p:bldLst>
   </p:timing>
 </p:sld>
@@ -11605,9 +12542,12 @@
 </file>
 
 <file path=customXml/item1.xml><?xml version="1.0" encoding="utf-8"?>
-<p:properties xmlns:p="http://schemas.microsoft.com/office/2006/metadata/properties" xmlns:xsi="http://www.w3.org/2001/XMLSchema-instance" xmlns:pc="http://schemas.microsoft.com/office/infopath/2007/PartnerControls">
-  <documentManagement/>
-</p:properties>
+<?mso-contentType ?>
+<FormTemplates xmlns="http://schemas.microsoft.com/sharepoint/v3/contenttype/forms">
+  <Display>DocumentLibraryForm</Display>
+  <Edit>DocumentLibraryForm</Edit>
+  <New>DocumentLibraryForm</New>
+</FormTemplates>
 </file>
 
 <file path=customXml/item2.xml><?xml version="1.0" encoding="utf-8"?>
@@ -11842,27 +12782,15 @@
 </file>
 
 <file path=customXml/item3.xml><?xml version="1.0" encoding="utf-8"?>
-<?mso-contentType ?>
-<FormTemplates xmlns="http://schemas.microsoft.com/sharepoint/v3/contenttype/forms">
-  <Display>DocumentLibraryForm</Display>
-  <Edit>DocumentLibraryForm</Edit>
-  <New>DocumentLibraryForm</New>
-</FormTemplates>
+<p:properties xmlns:p="http://schemas.microsoft.com/office/2006/metadata/properties" xmlns:xsi="http://www.w3.org/2001/XMLSchema-instance" xmlns:pc="http://schemas.microsoft.com/office/infopath/2007/PartnerControls">
+  <documentManagement/>
+</p:properties>
 </file>
 
 <file path=customXml/itemProps1.xml><?xml version="1.0" encoding="utf-8"?>
-<ds:datastoreItem xmlns:ds="http://schemas.openxmlformats.org/officeDocument/2006/customXml" ds:itemID="{968B0C25-2B6C-4F91-A35E-380E65B613A0}">
+<ds:datastoreItem xmlns:ds="http://schemas.openxmlformats.org/officeDocument/2006/customXml" ds:itemID="{089F7D39-9B56-4DB1-89B3-F93C0724D019}">
   <ds:schemaRefs>
-    <ds:schemaRef ds:uri="1593752b-2bc8-4a5b-bc16-e943a7bc146a"/>
-    <ds:schemaRef ds:uri="bfa243f7-b66f-411a-bd62-50b8d13221a7"/>
-    <ds:schemaRef ds:uri="http://purl.org/dc/dcmitype/"/>
-    <ds:schemaRef ds:uri="http://purl.org/dc/elements/1.1/"/>
-    <ds:schemaRef ds:uri="http://purl.org/dc/terms/"/>
-    <ds:schemaRef ds:uri="http://schemas.microsoft.com/office/2006/documentManagement/types"/>
-    <ds:schemaRef ds:uri="http://schemas.microsoft.com/office/2006/metadata/properties"/>
-    <ds:schemaRef ds:uri="http://schemas.microsoft.com/office/infopath/2007/PartnerControls"/>
-    <ds:schemaRef ds:uri="http://schemas.openxmlformats.org/package/2006/metadata/core-properties"/>
-    <ds:schemaRef ds:uri="http://www.w3.org/XML/1998/namespace"/>
+    <ds:schemaRef ds:uri="http://schemas.microsoft.com/sharepoint/v3/contenttype/forms"/>
   </ds:schemaRefs>
 </ds:datastoreItem>
 </file>
@@ -11887,9 +12815,18 @@
 </file>
 
 <file path=customXml/itemProps3.xml><?xml version="1.0" encoding="utf-8"?>
-<ds:datastoreItem xmlns:ds="http://schemas.openxmlformats.org/officeDocument/2006/customXml" ds:itemID="{089F7D39-9B56-4DB1-89B3-F93C0724D019}">
+<ds:datastoreItem xmlns:ds="http://schemas.openxmlformats.org/officeDocument/2006/customXml" ds:itemID="{968B0C25-2B6C-4F91-A35E-380E65B613A0}">
   <ds:schemaRefs>
-    <ds:schemaRef ds:uri="http://schemas.microsoft.com/sharepoint/v3/contenttype/forms"/>
+    <ds:schemaRef ds:uri="1593752b-2bc8-4a5b-bc16-e943a7bc146a"/>
+    <ds:schemaRef ds:uri="bfa243f7-b66f-411a-bd62-50b8d13221a7"/>
+    <ds:schemaRef ds:uri="http://purl.org/dc/dcmitype/"/>
+    <ds:schemaRef ds:uri="http://purl.org/dc/elements/1.1/"/>
+    <ds:schemaRef ds:uri="http://purl.org/dc/terms/"/>
+    <ds:schemaRef ds:uri="http://schemas.microsoft.com/office/2006/documentManagement/types"/>
+    <ds:schemaRef ds:uri="http://schemas.microsoft.com/office/2006/metadata/properties"/>
+    <ds:schemaRef ds:uri="http://schemas.microsoft.com/office/infopath/2007/PartnerControls"/>
+    <ds:schemaRef ds:uri="http://schemas.openxmlformats.org/package/2006/metadata/core-properties"/>
+    <ds:schemaRef ds:uri="http://www.w3.org/XML/1998/namespace"/>
   </ds:schemaRefs>
 </ds:datastoreItem>
 </file>
